--- a/ppt 16-9/0919.来吧！一起赞美.pptx
+++ b/ppt 16-9/0919.来吧！一起赞美.pptx
@@ -5,7 +5,7 @@
     <p:sldMasterId id="2147483648" r:id="rId1"/>
   </p:sldMasterIdLst>
   <p:sldIdLst>
-    <p:sldId id="281" r:id="rId2"/>
+    <p:sldId id="283" r:id="rId2"/>
   </p:sldIdLst>
   <p:sldSz cx="12192000" cy="6858000"/>
   <p:notesSz cx="6858000" cy="9144000"/>
@@ -129,7 +129,7 @@
           <p:cNvPr id="2" name="标题 1">
             <a:extLst>
               <a:ext uri="{FF2B5EF4-FFF2-40B4-BE49-F238E27FC236}">
-                <a16:creationId xmlns:a16="http://schemas.microsoft.com/office/drawing/2014/main" id="{AA07F6CC-E887-0DD0-FA8B-C5674FE18525}"/>
+                <a16:creationId xmlns:a16="http://schemas.microsoft.com/office/drawing/2014/main" id="{303688F3-9654-5EE1-C86A-9CB0C685CE44}"/>
               </a:ext>
             </a:extLst>
           </p:cNvPr>
@@ -166,7 +166,7 @@
           <p:cNvPr id="3" name="副标题 2">
             <a:extLst>
               <a:ext uri="{FF2B5EF4-FFF2-40B4-BE49-F238E27FC236}">
-                <a16:creationId xmlns:a16="http://schemas.microsoft.com/office/drawing/2014/main" id="{ABE97068-CBF2-DB38-3C33-7E1A55AFE74E}"/>
+                <a16:creationId xmlns:a16="http://schemas.microsoft.com/office/drawing/2014/main" id="{483F7B0D-80FA-771A-B48F-0B3FDB3F0197}"/>
               </a:ext>
             </a:extLst>
           </p:cNvPr>
@@ -236,7 +236,7 @@
           <p:cNvPr id="4" name="日期占位符 3">
             <a:extLst>
               <a:ext uri="{FF2B5EF4-FFF2-40B4-BE49-F238E27FC236}">
-                <a16:creationId xmlns:a16="http://schemas.microsoft.com/office/drawing/2014/main" id="{ED29D6D0-62DD-4995-CC40-BA70A6932511}"/>
+                <a16:creationId xmlns:a16="http://schemas.microsoft.com/office/drawing/2014/main" id="{BD9F5905-0AFB-9BA7-69A9-8E0F6869D7AB}"/>
               </a:ext>
             </a:extLst>
           </p:cNvPr>
@@ -252,7 +252,7 @@
           <a:bodyPr/>
           <a:lstStyle/>
           <a:p>
-            <a:fld id="{0DA22E42-7DB0-45D7-90F2-23DAD8E22502}" type="datetimeFigureOut">
+            <a:fld id="{3CA2FDC1-389E-4CC4-AF19-E23C9B130C82}" type="datetimeFigureOut">
               <a:rPr lang="zh-CN" altLang="en-US" smtClean="0"/>
               <a:t>2024/3/10</a:t>
             </a:fld>
@@ -265,7 +265,7 @@
           <p:cNvPr id="5" name="页脚占位符 4">
             <a:extLst>
               <a:ext uri="{FF2B5EF4-FFF2-40B4-BE49-F238E27FC236}">
-                <a16:creationId xmlns:a16="http://schemas.microsoft.com/office/drawing/2014/main" id="{B519A03B-B94C-4602-44C2-03B3CFCE60C1}"/>
+                <a16:creationId xmlns:a16="http://schemas.microsoft.com/office/drawing/2014/main" id="{B4D21719-EDAA-B1A4-83EE-140308462910}"/>
               </a:ext>
             </a:extLst>
           </p:cNvPr>
@@ -290,7 +290,7 @@
           <p:cNvPr id="6" name="灯片编号占位符 5">
             <a:extLst>
               <a:ext uri="{FF2B5EF4-FFF2-40B4-BE49-F238E27FC236}">
-                <a16:creationId xmlns:a16="http://schemas.microsoft.com/office/drawing/2014/main" id="{CE00D8AF-2A27-8277-A4A9-EA66F91AC975}"/>
+                <a16:creationId xmlns:a16="http://schemas.microsoft.com/office/drawing/2014/main" id="{E1A05733-6BAA-CA52-1F1A-BB7503F4DBF2}"/>
               </a:ext>
             </a:extLst>
           </p:cNvPr>
@@ -306,7 +306,7 @@
           <a:bodyPr/>
           <a:lstStyle/>
           <a:p>
-            <a:fld id="{CFB08094-F7B4-4154-95BF-E52EF0015201}" type="slidenum">
+            <a:fld id="{A8C49D92-699E-47A2-999F-0003F314E4F7}" type="slidenum">
               <a:rPr lang="zh-CN" altLang="en-US" smtClean="0"/>
               <a:t>‹#›</a:t>
             </a:fld>
@@ -317,7 +317,7 @@
     </p:spTree>
     <p:extLst>
       <p:ext uri="{BB962C8B-B14F-4D97-AF65-F5344CB8AC3E}">
-        <p14:creationId xmlns:p14="http://schemas.microsoft.com/office/powerpoint/2010/main" val="2865598187"/>
+        <p14:creationId xmlns:p14="http://schemas.microsoft.com/office/powerpoint/2010/main" val="1844082873"/>
       </p:ext>
     </p:extLst>
   </p:cSld>
@@ -349,7 +349,7 @@
           <p:cNvPr id="2" name="标题 1">
             <a:extLst>
               <a:ext uri="{FF2B5EF4-FFF2-40B4-BE49-F238E27FC236}">
-                <a16:creationId xmlns:a16="http://schemas.microsoft.com/office/drawing/2014/main" id="{20D6D628-65AB-93E6-F41E-EEB346F0853C}"/>
+                <a16:creationId xmlns:a16="http://schemas.microsoft.com/office/drawing/2014/main" id="{988D541C-F31F-568B-B30A-3F395B09E036}"/>
               </a:ext>
             </a:extLst>
           </p:cNvPr>
@@ -377,7 +377,7 @@
           <p:cNvPr id="3" name="竖排文字占位符 2">
             <a:extLst>
               <a:ext uri="{FF2B5EF4-FFF2-40B4-BE49-F238E27FC236}">
-                <a16:creationId xmlns:a16="http://schemas.microsoft.com/office/drawing/2014/main" id="{75E9F7E8-18D8-B9DE-6F23-C92C5EDEBFE8}"/>
+                <a16:creationId xmlns:a16="http://schemas.microsoft.com/office/drawing/2014/main" id="{6DDE6D7A-752D-53B9-5097-0703FE5E0D15}"/>
               </a:ext>
             </a:extLst>
           </p:cNvPr>
@@ -434,7 +434,7 @@
           <p:cNvPr id="4" name="日期占位符 3">
             <a:extLst>
               <a:ext uri="{FF2B5EF4-FFF2-40B4-BE49-F238E27FC236}">
-                <a16:creationId xmlns:a16="http://schemas.microsoft.com/office/drawing/2014/main" id="{94AF4E2D-A6D3-D411-AA3D-22F5DDB72C7C}"/>
+                <a16:creationId xmlns:a16="http://schemas.microsoft.com/office/drawing/2014/main" id="{DF930642-152E-8C64-30A1-DBF40F1228E0}"/>
               </a:ext>
             </a:extLst>
           </p:cNvPr>
@@ -450,7 +450,7 @@
           <a:bodyPr/>
           <a:lstStyle/>
           <a:p>
-            <a:fld id="{0DA22E42-7DB0-45D7-90F2-23DAD8E22502}" type="datetimeFigureOut">
+            <a:fld id="{3CA2FDC1-389E-4CC4-AF19-E23C9B130C82}" type="datetimeFigureOut">
               <a:rPr lang="zh-CN" altLang="en-US" smtClean="0"/>
               <a:t>2024/3/10</a:t>
             </a:fld>
@@ -463,7 +463,7 @@
           <p:cNvPr id="5" name="页脚占位符 4">
             <a:extLst>
               <a:ext uri="{FF2B5EF4-FFF2-40B4-BE49-F238E27FC236}">
-                <a16:creationId xmlns:a16="http://schemas.microsoft.com/office/drawing/2014/main" id="{868B43DD-1D7C-24D8-FC0E-BBA582D8C6EE}"/>
+                <a16:creationId xmlns:a16="http://schemas.microsoft.com/office/drawing/2014/main" id="{E51F5745-16AB-3409-F5D6-5C008BCBB0D2}"/>
               </a:ext>
             </a:extLst>
           </p:cNvPr>
@@ -488,7 +488,7 @@
           <p:cNvPr id="6" name="灯片编号占位符 5">
             <a:extLst>
               <a:ext uri="{FF2B5EF4-FFF2-40B4-BE49-F238E27FC236}">
-                <a16:creationId xmlns:a16="http://schemas.microsoft.com/office/drawing/2014/main" id="{9C77D660-C167-4BBF-8BA4-3639B187E870}"/>
+                <a16:creationId xmlns:a16="http://schemas.microsoft.com/office/drawing/2014/main" id="{3E3308B9-8A18-5A15-C105-5E196F2B277C}"/>
               </a:ext>
             </a:extLst>
           </p:cNvPr>
@@ -504,7 +504,7 @@
           <a:bodyPr/>
           <a:lstStyle/>
           <a:p>
-            <a:fld id="{CFB08094-F7B4-4154-95BF-E52EF0015201}" type="slidenum">
+            <a:fld id="{A8C49D92-699E-47A2-999F-0003F314E4F7}" type="slidenum">
               <a:rPr lang="zh-CN" altLang="en-US" smtClean="0"/>
               <a:t>‹#›</a:t>
             </a:fld>
@@ -515,7 +515,7 @@
     </p:spTree>
     <p:extLst>
       <p:ext uri="{BB962C8B-B14F-4D97-AF65-F5344CB8AC3E}">
-        <p14:creationId xmlns:p14="http://schemas.microsoft.com/office/powerpoint/2010/main" val="3439144925"/>
+        <p14:creationId xmlns:p14="http://schemas.microsoft.com/office/powerpoint/2010/main" val="4113406080"/>
       </p:ext>
     </p:extLst>
   </p:cSld>
@@ -547,7 +547,7 @@
           <p:cNvPr id="2" name="竖排标题 1">
             <a:extLst>
               <a:ext uri="{FF2B5EF4-FFF2-40B4-BE49-F238E27FC236}">
-                <a16:creationId xmlns:a16="http://schemas.microsoft.com/office/drawing/2014/main" id="{D4AA40D3-893A-E4F2-9E44-C654D8244DFB}"/>
+                <a16:creationId xmlns:a16="http://schemas.microsoft.com/office/drawing/2014/main" id="{23A2122E-35BF-FA07-755F-A45FB74967AB}"/>
               </a:ext>
             </a:extLst>
           </p:cNvPr>
@@ -580,7 +580,7 @@
           <p:cNvPr id="3" name="竖排文字占位符 2">
             <a:extLst>
               <a:ext uri="{FF2B5EF4-FFF2-40B4-BE49-F238E27FC236}">
-                <a16:creationId xmlns:a16="http://schemas.microsoft.com/office/drawing/2014/main" id="{7A60F5FE-75DC-0FB3-5231-105126A77434}"/>
+                <a16:creationId xmlns:a16="http://schemas.microsoft.com/office/drawing/2014/main" id="{841A5A97-8424-52EE-72A6-E588A5A5B4DB}"/>
               </a:ext>
             </a:extLst>
           </p:cNvPr>
@@ -642,7 +642,7 @@
           <p:cNvPr id="4" name="日期占位符 3">
             <a:extLst>
               <a:ext uri="{FF2B5EF4-FFF2-40B4-BE49-F238E27FC236}">
-                <a16:creationId xmlns:a16="http://schemas.microsoft.com/office/drawing/2014/main" id="{6E5C7D47-867A-D193-9D24-1A80F373EC09}"/>
+                <a16:creationId xmlns:a16="http://schemas.microsoft.com/office/drawing/2014/main" id="{A7144457-3E4C-3032-6FDB-20036C73B130}"/>
               </a:ext>
             </a:extLst>
           </p:cNvPr>
@@ -658,7 +658,7 @@
           <a:bodyPr/>
           <a:lstStyle/>
           <a:p>
-            <a:fld id="{0DA22E42-7DB0-45D7-90F2-23DAD8E22502}" type="datetimeFigureOut">
+            <a:fld id="{3CA2FDC1-389E-4CC4-AF19-E23C9B130C82}" type="datetimeFigureOut">
               <a:rPr lang="zh-CN" altLang="en-US" smtClean="0"/>
               <a:t>2024/3/10</a:t>
             </a:fld>
@@ -671,7 +671,7 @@
           <p:cNvPr id="5" name="页脚占位符 4">
             <a:extLst>
               <a:ext uri="{FF2B5EF4-FFF2-40B4-BE49-F238E27FC236}">
-                <a16:creationId xmlns:a16="http://schemas.microsoft.com/office/drawing/2014/main" id="{48B5AA7C-EEEC-2E13-6881-A195A69F20B7}"/>
+                <a16:creationId xmlns:a16="http://schemas.microsoft.com/office/drawing/2014/main" id="{8C7AFDC5-55C8-3000-7091-161DD6BD955E}"/>
               </a:ext>
             </a:extLst>
           </p:cNvPr>
@@ -696,7 +696,7 @@
           <p:cNvPr id="6" name="灯片编号占位符 5">
             <a:extLst>
               <a:ext uri="{FF2B5EF4-FFF2-40B4-BE49-F238E27FC236}">
-                <a16:creationId xmlns:a16="http://schemas.microsoft.com/office/drawing/2014/main" id="{32C833DE-6308-CC8E-9CDE-95AEEFCEAF9A}"/>
+                <a16:creationId xmlns:a16="http://schemas.microsoft.com/office/drawing/2014/main" id="{D3323FA8-7B18-89E3-C9FF-916BFA471FD4}"/>
               </a:ext>
             </a:extLst>
           </p:cNvPr>
@@ -712,7 +712,7 @@
           <a:bodyPr/>
           <a:lstStyle/>
           <a:p>
-            <a:fld id="{CFB08094-F7B4-4154-95BF-E52EF0015201}" type="slidenum">
+            <a:fld id="{A8C49D92-699E-47A2-999F-0003F314E4F7}" type="slidenum">
               <a:rPr lang="zh-CN" altLang="en-US" smtClean="0"/>
               <a:t>‹#›</a:t>
             </a:fld>
@@ -723,7 +723,7 @@
     </p:spTree>
     <p:extLst>
       <p:ext uri="{BB962C8B-B14F-4D97-AF65-F5344CB8AC3E}">
-        <p14:creationId xmlns:p14="http://schemas.microsoft.com/office/powerpoint/2010/main" val="1465156700"/>
+        <p14:creationId xmlns:p14="http://schemas.microsoft.com/office/powerpoint/2010/main" val="1882125898"/>
       </p:ext>
     </p:extLst>
   </p:cSld>
@@ -755,7 +755,7 @@
           <p:cNvPr id="2" name="标题 1">
             <a:extLst>
               <a:ext uri="{FF2B5EF4-FFF2-40B4-BE49-F238E27FC236}">
-                <a16:creationId xmlns:a16="http://schemas.microsoft.com/office/drawing/2014/main" id="{ED3A2AF5-FDBB-A9C4-A9CB-9E76C01DE2CF}"/>
+                <a16:creationId xmlns:a16="http://schemas.microsoft.com/office/drawing/2014/main" id="{AC52F82F-0757-74FB-0B3B-164B07A341EA}"/>
               </a:ext>
             </a:extLst>
           </p:cNvPr>
@@ -783,7 +783,7 @@
           <p:cNvPr id="3" name="内容占位符 2">
             <a:extLst>
               <a:ext uri="{FF2B5EF4-FFF2-40B4-BE49-F238E27FC236}">
-                <a16:creationId xmlns:a16="http://schemas.microsoft.com/office/drawing/2014/main" id="{C0C49E71-B89F-DB05-E94C-4771A69DD562}"/>
+                <a16:creationId xmlns:a16="http://schemas.microsoft.com/office/drawing/2014/main" id="{7C1E45F7-2FAE-C116-0389-3FF8F835993D}"/>
               </a:ext>
             </a:extLst>
           </p:cNvPr>
@@ -840,7 +840,7 @@
           <p:cNvPr id="4" name="日期占位符 3">
             <a:extLst>
               <a:ext uri="{FF2B5EF4-FFF2-40B4-BE49-F238E27FC236}">
-                <a16:creationId xmlns:a16="http://schemas.microsoft.com/office/drawing/2014/main" id="{39A2D8D6-712B-13DB-DDBA-653A100FA0BB}"/>
+                <a16:creationId xmlns:a16="http://schemas.microsoft.com/office/drawing/2014/main" id="{0A1C0860-C54C-42C7-9B7A-9F64B449E143}"/>
               </a:ext>
             </a:extLst>
           </p:cNvPr>
@@ -856,7 +856,7 @@
           <a:bodyPr/>
           <a:lstStyle/>
           <a:p>
-            <a:fld id="{0DA22E42-7DB0-45D7-90F2-23DAD8E22502}" type="datetimeFigureOut">
+            <a:fld id="{3CA2FDC1-389E-4CC4-AF19-E23C9B130C82}" type="datetimeFigureOut">
               <a:rPr lang="zh-CN" altLang="en-US" smtClean="0"/>
               <a:t>2024/3/10</a:t>
             </a:fld>
@@ -869,7 +869,7 @@
           <p:cNvPr id="5" name="页脚占位符 4">
             <a:extLst>
               <a:ext uri="{FF2B5EF4-FFF2-40B4-BE49-F238E27FC236}">
-                <a16:creationId xmlns:a16="http://schemas.microsoft.com/office/drawing/2014/main" id="{42377EBD-08AB-2964-138D-D3F58FB8D15C}"/>
+                <a16:creationId xmlns:a16="http://schemas.microsoft.com/office/drawing/2014/main" id="{B335E54C-4C76-B50B-5E13-6E7158E793C5}"/>
               </a:ext>
             </a:extLst>
           </p:cNvPr>
@@ -894,7 +894,7 @@
           <p:cNvPr id="6" name="灯片编号占位符 5">
             <a:extLst>
               <a:ext uri="{FF2B5EF4-FFF2-40B4-BE49-F238E27FC236}">
-                <a16:creationId xmlns:a16="http://schemas.microsoft.com/office/drawing/2014/main" id="{D739C78C-0364-2AB2-FAE7-F0A75A0E4E40}"/>
+                <a16:creationId xmlns:a16="http://schemas.microsoft.com/office/drawing/2014/main" id="{DEC700B4-9178-9C4A-239A-2ADA3E1395A8}"/>
               </a:ext>
             </a:extLst>
           </p:cNvPr>
@@ -910,7 +910,7 @@
           <a:bodyPr/>
           <a:lstStyle/>
           <a:p>
-            <a:fld id="{CFB08094-F7B4-4154-95BF-E52EF0015201}" type="slidenum">
+            <a:fld id="{A8C49D92-699E-47A2-999F-0003F314E4F7}" type="slidenum">
               <a:rPr lang="zh-CN" altLang="en-US" smtClean="0"/>
               <a:t>‹#›</a:t>
             </a:fld>
@@ -921,7 +921,7 @@
     </p:spTree>
     <p:extLst>
       <p:ext uri="{BB962C8B-B14F-4D97-AF65-F5344CB8AC3E}">
-        <p14:creationId xmlns:p14="http://schemas.microsoft.com/office/powerpoint/2010/main" val="4049531412"/>
+        <p14:creationId xmlns:p14="http://schemas.microsoft.com/office/powerpoint/2010/main" val="1469974728"/>
       </p:ext>
     </p:extLst>
   </p:cSld>
@@ -953,7 +953,7 @@
           <p:cNvPr id="2" name="标题 1">
             <a:extLst>
               <a:ext uri="{FF2B5EF4-FFF2-40B4-BE49-F238E27FC236}">
-                <a16:creationId xmlns:a16="http://schemas.microsoft.com/office/drawing/2014/main" id="{60E0E199-4E8C-169B-2462-458B3ECE8F80}"/>
+                <a16:creationId xmlns:a16="http://schemas.microsoft.com/office/drawing/2014/main" id="{0C4807A3-8D64-37F2-5DB4-167DC2F103BE}"/>
               </a:ext>
             </a:extLst>
           </p:cNvPr>
@@ -990,7 +990,7 @@
           <p:cNvPr id="3" name="文本占位符 2">
             <a:extLst>
               <a:ext uri="{FF2B5EF4-FFF2-40B4-BE49-F238E27FC236}">
-                <a16:creationId xmlns:a16="http://schemas.microsoft.com/office/drawing/2014/main" id="{77C13CCA-52A6-B0D1-F8B4-B00000061CDF}"/>
+                <a16:creationId xmlns:a16="http://schemas.microsoft.com/office/drawing/2014/main" id="{56A51D0D-C2B7-2E1F-49FB-674327BA393D}"/>
               </a:ext>
             </a:extLst>
           </p:cNvPr>
@@ -1115,7 +1115,7 @@
           <p:cNvPr id="4" name="日期占位符 3">
             <a:extLst>
               <a:ext uri="{FF2B5EF4-FFF2-40B4-BE49-F238E27FC236}">
-                <a16:creationId xmlns:a16="http://schemas.microsoft.com/office/drawing/2014/main" id="{BFFAF624-F940-DB3C-E69C-51F42DE89741}"/>
+                <a16:creationId xmlns:a16="http://schemas.microsoft.com/office/drawing/2014/main" id="{13EF38E3-0AED-60F4-8852-35C01BA1415E}"/>
               </a:ext>
             </a:extLst>
           </p:cNvPr>
@@ -1131,7 +1131,7 @@
           <a:bodyPr/>
           <a:lstStyle/>
           <a:p>
-            <a:fld id="{0DA22E42-7DB0-45D7-90F2-23DAD8E22502}" type="datetimeFigureOut">
+            <a:fld id="{3CA2FDC1-389E-4CC4-AF19-E23C9B130C82}" type="datetimeFigureOut">
               <a:rPr lang="zh-CN" altLang="en-US" smtClean="0"/>
               <a:t>2024/3/10</a:t>
             </a:fld>
@@ -1144,7 +1144,7 @@
           <p:cNvPr id="5" name="页脚占位符 4">
             <a:extLst>
               <a:ext uri="{FF2B5EF4-FFF2-40B4-BE49-F238E27FC236}">
-                <a16:creationId xmlns:a16="http://schemas.microsoft.com/office/drawing/2014/main" id="{7F36EFCF-7F9D-4578-1134-217C4F44E0D6}"/>
+                <a16:creationId xmlns:a16="http://schemas.microsoft.com/office/drawing/2014/main" id="{93E27835-2D32-6BC3-9949-4FECEDAF049B}"/>
               </a:ext>
             </a:extLst>
           </p:cNvPr>
@@ -1169,7 +1169,7 @@
           <p:cNvPr id="6" name="灯片编号占位符 5">
             <a:extLst>
               <a:ext uri="{FF2B5EF4-FFF2-40B4-BE49-F238E27FC236}">
-                <a16:creationId xmlns:a16="http://schemas.microsoft.com/office/drawing/2014/main" id="{4434089D-E083-2AC5-769E-1DF88E8226CC}"/>
+                <a16:creationId xmlns:a16="http://schemas.microsoft.com/office/drawing/2014/main" id="{0AC4C138-1E00-E300-58BB-AE297C54DA6E}"/>
               </a:ext>
             </a:extLst>
           </p:cNvPr>
@@ -1185,7 +1185,7 @@
           <a:bodyPr/>
           <a:lstStyle/>
           <a:p>
-            <a:fld id="{CFB08094-F7B4-4154-95BF-E52EF0015201}" type="slidenum">
+            <a:fld id="{A8C49D92-699E-47A2-999F-0003F314E4F7}" type="slidenum">
               <a:rPr lang="zh-CN" altLang="en-US" smtClean="0"/>
               <a:t>‹#›</a:t>
             </a:fld>
@@ -1196,7 +1196,7 @@
     </p:spTree>
     <p:extLst>
       <p:ext uri="{BB962C8B-B14F-4D97-AF65-F5344CB8AC3E}">
-        <p14:creationId xmlns:p14="http://schemas.microsoft.com/office/powerpoint/2010/main" val="3948052219"/>
+        <p14:creationId xmlns:p14="http://schemas.microsoft.com/office/powerpoint/2010/main" val="999682113"/>
       </p:ext>
     </p:extLst>
   </p:cSld>
@@ -1228,7 +1228,7 @@
           <p:cNvPr id="2" name="标题 1">
             <a:extLst>
               <a:ext uri="{FF2B5EF4-FFF2-40B4-BE49-F238E27FC236}">
-                <a16:creationId xmlns:a16="http://schemas.microsoft.com/office/drawing/2014/main" id="{5CAD8AF9-25FE-0240-F500-AE8D647CA438}"/>
+                <a16:creationId xmlns:a16="http://schemas.microsoft.com/office/drawing/2014/main" id="{3A341D68-4B56-EDDD-CF0D-CFB104AA57CB}"/>
               </a:ext>
             </a:extLst>
           </p:cNvPr>
@@ -1256,7 +1256,7 @@
           <p:cNvPr id="3" name="内容占位符 2">
             <a:extLst>
               <a:ext uri="{FF2B5EF4-FFF2-40B4-BE49-F238E27FC236}">
-                <a16:creationId xmlns:a16="http://schemas.microsoft.com/office/drawing/2014/main" id="{1BDC3D38-6E0C-BC75-385B-1688ABEA4B73}"/>
+                <a16:creationId xmlns:a16="http://schemas.microsoft.com/office/drawing/2014/main" id="{41C6B753-9345-88EE-8FA7-9CCF529DEB62}"/>
               </a:ext>
             </a:extLst>
           </p:cNvPr>
@@ -1318,7 +1318,7 @@
           <p:cNvPr id="4" name="内容占位符 3">
             <a:extLst>
               <a:ext uri="{FF2B5EF4-FFF2-40B4-BE49-F238E27FC236}">
-                <a16:creationId xmlns:a16="http://schemas.microsoft.com/office/drawing/2014/main" id="{5B5F9B5D-5F86-1A9E-6867-F4BA19B4FE0A}"/>
+                <a16:creationId xmlns:a16="http://schemas.microsoft.com/office/drawing/2014/main" id="{CCC82AA4-B39F-4DEE-1CA0-5734428F8CBA}"/>
               </a:ext>
             </a:extLst>
           </p:cNvPr>
@@ -1380,7 +1380,7 @@
           <p:cNvPr id="5" name="日期占位符 4">
             <a:extLst>
               <a:ext uri="{FF2B5EF4-FFF2-40B4-BE49-F238E27FC236}">
-                <a16:creationId xmlns:a16="http://schemas.microsoft.com/office/drawing/2014/main" id="{B4F9E4D2-24C2-8845-2D67-A3A7C77BEC8B}"/>
+                <a16:creationId xmlns:a16="http://schemas.microsoft.com/office/drawing/2014/main" id="{D6BB5BE8-693D-886A-1B3D-4C697977399C}"/>
               </a:ext>
             </a:extLst>
           </p:cNvPr>
@@ -1396,7 +1396,7 @@
           <a:bodyPr/>
           <a:lstStyle/>
           <a:p>
-            <a:fld id="{0DA22E42-7DB0-45D7-90F2-23DAD8E22502}" type="datetimeFigureOut">
+            <a:fld id="{3CA2FDC1-389E-4CC4-AF19-E23C9B130C82}" type="datetimeFigureOut">
               <a:rPr lang="zh-CN" altLang="en-US" smtClean="0"/>
               <a:t>2024/3/10</a:t>
             </a:fld>
@@ -1409,7 +1409,7 @@
           <p:cNvPr id="6" name="页脚占位符 5">
             <a:extLst>
               <a:ext uri="{FF2B5EF4-FFF2-40B4-BE49-F238E27FC236}">
-                <a16:creationId xmlns:a16="http://schemas.microsoft.com/office/drawing/2014/main" id="{2CE9213F-3BDD-98C7-8F30-1CC0CC49E99B}"/>
+                <a16:creationId xmlns:a16="http://schemas.microsoft.com/office/drawing/2014/main" id="{FA705A5C-ABF1-8BB4-340D-95311B8E2397}"/>
               </a:ext>
             </a:extLst>
           </p:cNvPr>
@@ -1434,7 +1434,7 @@
           <p:cNvPr id="7" name="灯片编号占位符 6">
             <a:extLst>
               <a:ext uri="{FF2B5EF4-FFF2-40B4-BE49-F238E27FC236}">
-                <a16:creationId xmlns:a16="http://schemas.microsoft.com/office/drawing/2014/main" id="{0434CBED-A521-5074-7E9F-F6CCF5EBEF10}"/>
+                <a16:creationId xmlns:a16="http://schemas.microsoft.com/office/drawing/2014/main" id="{58B9E725-778C-0A19-BC5A-9B920E416A3F}"/>
               </a:ext>
             </a:extLst>
           </p:cNvPr>
@@ -1450,7 +1450,7 @@
           <a:bodyPr/>
           <a:lstStyle/>
           <a:p>
-            <a:fld id="{CFB08094-F7B4-4154-95BF-E52EF0015201}" type="slidenum">
+            <a:fld id="{A8C49D92-699E-47A2-999F-0003F314E4F7}" type="slidenum">
               <a:rPr lang="zh-CN" altLang="en-US" smtClean="0"/>
               <a:t>‹#›</a:t>
             </a:fld>
@@ -1461,7 +1461,7 @@
     </p:spTree>
     <p:extLst>
       <p:ext uri="{BB962C8B-B14F-4D97-AF65-F5344CB8AC3E}">
-        <p14:creationId xmlns:p14="http://schemas.microsoft.com/office/powerpoint/2010/main" val="3459105871"/>
+        <p14:creationId xmlns:p14="http://schemas.microsoft.com/office/powerpoint/2010/main" val="3565212078"/>
       </p:ext>
     </p:extLst>
   </p:cSld>
@@ -1493,7 +1493,7 @@
           <p:cNvPr id="2" name="标题 1">
             <a:extLst>
               <a:ext uri="{FF2B5EF4-FFF2-40B4-BE49-F238E27FC236}">
-                <a16:creationId xmlns:a16="http://schemas.microsoft.com/office/drawing/2014/main" id="{CD057054-655D-C5ED-5F42-43D81EE0911C}"/>
+                <a16:creationId xmlns:a16="http://schemas.microsoft.com/office/drawing/2014/main" id="{732CF15A-CD27-6A0A-5F88-64D5FBA8B44F}"/>
               </a:ext>
             </a:extLst>
           </p:cNvPr>
@@ -1526,7 +1526,7 @@
           <p:cNvPr id="3" name="文本占位符 2">
             <a:extLst>
               <a:ext uri="{FF2B5EF4-FFF2-40B4-BE49-F238E27FC236}">
-                <a16:creationId xmlns:a16="http://schemas.microsoft.com/office/drawing/2014/main" id="{869A4C47-70EB-1156-8325-DB16C7E620F6}"/>
+                <a16:creationId xmlns:a16="http://schemas.microsoft.com/office/drawing/2014/main" id="{9042A3A9-7B4A-586A-0960-344CC0AC7190}"/>
               </a:ext>
             </a:extLst>
           </p:cNvPr>
@@ -1597,7 +1597,7 @@
           <p:cNvPr id="4" name="内容占位符 3">
             <a:extLst>
               <a:ext uri="{FF2B5EF4-FFF2-40B4-BE49-F238E27FC236}">
-                <a16:creationId xmlns:a16="http://schemas.microsoft.com/office/drawing/2014/main" id="{32B3EE28-776A-887D-7DA2-A4516BCB0307}"/>
+                <a16:creationId xmlns:a16="http://schemas.microsoft.com/office/drawing/2014/main" id="{6FF626FC-AB36-6C52-745B-E2DCAC08FEE8}"/>
               </a:ext>
             </a:extLst>
           </p:cNvPr>
@@ -1659,7 +1659,7 @@
           <p:cNvPr id="5" name="文本占位符 4">
             <a:extLst>
               <a:ext uri="{FF2B5EF4-FFF2-40B4-BE49-F238E27FC236}">
-                <a16:creationId xmlns:a16="http://schemas.microsoft.com/office/drawing/2014/main" id="{B77E5619-A8AA-34FA-98C4-06D79FCFA80C}"/>
+                <a16:creationId xmlns:a16="http://schemas.microsoft.com/office/drawing/2014/main" id="{8AC93B84-8592-ADBB-8B09-E70C73AD3B70}"/>
               </a:ext>
             </a:extLst>
           </p:cNvPr>
@@ -1730,7 +1730,7 @@
           <p:cNvPr id="6" name="内容占位符 5">
             <a:extLst>
               <a:ext uri="{FF2B5EF4-FFF2-40B4-BE49-F238E27FC236}">
-                <a16:creationId xmlns:a16="http://schemas.microsoft.com/office/drawing/2014/main" id="{C08C6359-D9A5-F23F-A592-4B3F63FC6A18}"/>
+                <a16:creationId xmlns:a16="http://schemas.microsoft.com/office/drawing/2014/main" id="{B2C1F7BB-5B76-8DBA-B24D-10300DB0A042}"/>
               </a:ext>
             </a:extLst>
           </p:cNvPr>
@@ -1792,7 +1792,7 @@
           <p:cNvPr id="7" name="日期占位符 6">
             <a:extLst>
               <a:ext uri="{FF2B5EF4-FFF2-40B4-BE49-F238E27FC236}">
-                <a16:creationId xmlns:a16="http://schemas.microsoft.com/office/drawing/2014/main" id="{73673853-B252-078E-053B-60CD4A2954C6}"/>
+                <a16:creationId xmlns:a16="http://schemas.microsoft.com/office/drawing/2014/main" id="{2C64C9A7-77F8-E19D-85B4-01AF4EAAC2C4}"/>
               </a:ext>
             </a:extLst>
           </p:cNvPr>
@@ -1808,7 +1808,7 @@
           <a:bodyPr/>
           <a:lstStyle/>
           <a:p>
-            <a:fld id="{0DA22E42-7DB0-45D7-90F2-23DAD8E22502}" type="datetimeFigureOut">
+            <a:fld id="{3CA2FDC1-389E-4CC4-AF19-E23C9B130C82}" type="datetimeFigureOut">
               <a:rPr lang="zh-CN" altLang="en-US" smtClean="0"/>
               <a:t>2024/3/10</a:t>
             </a:fld>
@@ -1821,7 +1821,7 @@
           <p:cNvPr id="8" name="页脚占位符 7">
             <a:extLst>
               <a:ext uri="{FF2B5EF4-FFF2-40B4-BE49-F238E27FC236}">
-                <a16:creationId xmlns:a16="http://schemas.microsoft.com/office/drawing/2014/main" id="{5F2DE515-0F7B-7787-2356-018CC0FE28F6}"/>
+                <a16:creationId xmlns:a16="http://schemas.microsoft.com/office/drawing/2014/main" id="{9C6318E8-745A-E719-C119-15696E486614}"/>
               </a:ext>
             </a:extLst>
           </p:cNvPr>
@@ -1846,7 +1846,7 @@
           <p:cNvPr id="9" name="灯片编号占位符 8">
             <a:extLst>
               <a:ext uri="{FF2B5EF4-FFF2-40B4-BE49-F238E27FC236}">
-                <a16:creationId xmlns:a16="http://schemas.microsoft.com/office/drawing/2014/main" id="{631B357E-3EF8-1461-839F-8BF99F0617A6}"/>
+                <a16:creationId xmlns:a16="http://schemas.microsoft.com/office/drawing/2014/main" id="{664260E5-2E59-40EE-F26E-005431E43377}"/>
               </a:ext>
             </a:extLst>
           </p:cNvPr>
@@ -1862,7 +1862,7 @@
           <a:bodyPr/>
           <a:lstStyle/>
           <a:p>
-            <a:fld id="{CFB08094-F7B4-4154-95BF-E52EF0015201}" type="slidenum">
+            <a:fld id="{A8C49D92-699E-47A2-999F-0003F314E4F7}" type="slidenum">
               <a:rPr lang="zh-CN" altLang="en-US" smtClean="0"/>
               <a:t>‹#›</a:t>
             </a:fld>
@@ -1873,7 +1873,7 @@
     </p:spTree>
     <p:extLst>
       <p:ext uri="{BB962C8B-B14F-4D97-AF65-F5344CB8AC3E}">
-        <p14:creationId xmlns:p14="http://schemas.microsoft.com/office/powerpoint/2010/main" val="3748648406"/>
+        <p14:creationId xmlns:p14="http://schemas.microsoft.com/office/powerpoint/2010/main" val="1649005715"/>
       </p:ext>
     </p:extLst>
   </p:cSld>
@@ -1905,7 +1905,7 @@
           <p:cNvPr id="2" name="标题 1">
             <a:extLst>
               <a:ext uri="{FF2B5EF4-FFF2-40B4-BE49-F238E27FC236}">
-                <a16:creationId xmlns:a16="http://schemas.microsoft.com/office/drawing/2014/main" id="{5A478A9B-4BD6-5C88-DB08-3B7F8F52C312}"/>
+                <a16:creationId xmlns:a16="http://schemas.microsoft.com/office/drawing/2014/main" id="{E121D403-9947-B6C5-9E24-2FA2B412FD43}"/>
               </a:ext>
             </a:extLst>
           </p:cNvPr>
@@ -1933,7 +1933,7 @@
           <p:cNvPr id="3" name="日期占位符 2">
             <a:extLst>
               <a:ext uri="{FF2B5EF4-FFF2-40B4-BE49-F238E27FC236}">
-                <a16:creationId xmlns:a16="http://schemas.microsoft.com/office/drawing/2014/main" id="{E8B7D84B-74EF-8317-F852-6B77E1197C5F}"/>
+                <a16:creationId xmlns:a16="http://schemas.microsoft.com/office/drawing/2014/main" id="{0C719D53-29FF-0823-337B-8DC165F638EF}"/>
               </a:ext>
             </a:extLst>
           </p:cNvPr>
@@ -1949,7 +1949,7 @@
           <a:bodyPr/>
           <a:lstStyle/>
           <a:p>
-            <a:fld id="{0DA22E42-7DB0-45D7-90F2-23DAD8E22502}" type="datetimeFigureOut">
+            <a:fld id="{3CA2FDC1-389E-4CC4-AF19-E23C9B130C82}" type="datetimeFigureOut">
               <a:rPr lang="zh-CN" altLang="en-US" smtClean="0"/>
               <a:t>2024/3/10</a:t>
             </a:fld>
@@ -1962,7 +1962,7 @@
           <p:cNvPr id="4" name="页脚占位符 3">
             <a:extLst>
               <a:ext uri="{FF2B5EF4-FFF2-40B4-BE49-F238E27FC236}">
-                <a16:creationId xmlns:a16="http://schemas.microsoft.com/office/drawing/2014/main" id="{D4C52907-F6E4-EF03-0C15-95D128944A96}"/>
+                <a16:creationId xmlns:a16="http://schemas.microsoft.com/office/drawing/2014/main" id="{280893C9-188A-00B0-2F70-611D3B797276}"/>
               </a:ext>
             </a:extLst>
           </p:cNvPr>
@@ -1987,7 +1987,7 @@
           <p:cNvPr id="5" name="灯片编号占位符 4">
             <a:extLst>
               <a:ext uri="{FF2B5EF4-FFF2-40B4-BE49-F238E27FC236}">
-                <a16:creationId xmlns:a16="http://schemas.microsoft.com/office/drawing/2014/main" id="{4E1804A5-DDE5-6E61-C9B9-471B79D62855}"/>
+                <a16:creationId xmlns:a16="http://schemas.microsoft.com/office/drawing/2014/main" id="{18599DE9-FDDC-4B1E-A88C-6C06191EAE81}"/>
               </a:ext>
             </a:extLst>
           </p:cNvPr>
@@ -2003,7 +2003,7 @@
           <a:bodyPr/>
           <a:lstStyle/>
           <a:p>
-            <a:fld id="{CFB08094-F7B4-4154-95BF-E52EF0015201}" type="slidenum">
+            <a:fld id="{A8C49D92-699E-47A2-999F-0003F314E4F7}" type="slidenum">
               <a:rPr lang="zh-CN" altLang="en-US" smtClean="0"/>
               <a:t>‹#›</a:t>
             </a:fld>
@@ -2014,7 +2014,7 @@
     </p:spTree>
     <p:extLst>
       <p:ext uri="{BB962C8B-B14F-4D97-AF65-F5344CB8AC3E}">
-        <p14:creationId xmlns:p14="http://schemas.microsoft.com/office/powerpoint/2010/main" val="2603847852"/>
+        <p14:creationId xmlns:p14="http://schemas.microsoft.com/office/powerpoint/2010/main" val="2253089608"/>
       </p:ext>
     </p:extLst>
   </p:cSld>
@@ -2046,7 +2046,7 @@
           <p:cNvPr id="2" name="日期占位符 1">
             <a:extLst>
               <a:ext uri="{FF2B5EF4-FFF2-40B4-BE49-F238E27FC236}">
-                <a16:creationId xmlns:a16="http://schemas.microsoft.com/office/drawing/2014/main" id="{2FFAB846-00B4-6CC9-C164-59D99BF88254}"/>
+                <a16:creationId xmlns:a16="http://schemas.microsoft.com/office/drawing/2014/main" id="{662930C9-6CEA-E15A-D0DE-CA7C8C600AAA}"/>
               </a:ext>
             </a:extLst>
           </p:cNvPr>
@@ -2062,7 +2062,7 @@
           <a:bodyPr/>
           <a:lstStyle/>
           <a:p>
-            <a:fld id="{0DA22E42-7DB0-45D7-90F2-23DAD8E22502}" type="datetimeFigureOut">
+            <a:fld id="{3CA2FDC1-389E-4CC4-AF19-E23C9B130C82}" type="datetimeFigureOut">
               <a:rPr lang="zh-CN" altLang="en-US" smtClean="0"/>
               <a:t>2024/3/10</a:t>
             </a:fld>
@@ -2075,7 +2075,7 @@
           <p:cNvPr id="3" name="页脚占位符 2">
             <a:extLst>
               <a:ext uri="{FF2B5EF4-FFF2-40B4-BE49-F238E27FC236}">
-                <a16:creationId xmlns:a16="http://schemas.microsoft.com/office/drawing/2014/main" id="{9A4DB84B-B4C9-4D6A-790E-CC2D409BA25B}"/>
+                <a16:creationId xmlns:a16="http://schemas.microsoft.com/office/drawing/2014/main" id="{634ABCD5-3CE8-88C6-C52E-C2A79BB0271E}"/>
               </a:ext>
             </a:extLst>
           </p:cNvPr>
@@ -2100,7 +2100,7 @@
           <p:cNvPr id="4" name="灯片编号占位符 3">
             <a:extLst>
               <a:ext uri="{FF2B5EF4-FFF2-40B4-BE49-F238E27FC236}">
-                <a16:creationId xmlns:a16="http://schemas.microsoft.com/office/drawing/2014/main" id="{7AD8F4E1-DE6D-60B8-2391-D9D49D86B471}"/>
+                <a16:creationId xmlns:a16="http://schemas.microsoft.com/office/drawing/2014/main" id="{EFDA607E-3F0F-19AB-2088-DBC5E02C5E16}"/>
               </a:ext>
             </a:extLst>
           </p:cNvPr>
@@ -2116,7 +2116,7 @@
           <a:bodyPr/>
           <a:lstStyle/>
           <a:p>
-            <a:fld id="{CFB08094-F7B4-4154-95BF-E52EF0015201}" type="slidenum">
+            <a:fld id="{A8C49D92-699E-47A2-999F-0003F314E4F7}" type="slidenum">
               <a:rPr lang="zh-CN" altLang="en-US" smtClean="0"/>
               <a:t>‹#›</a:t>
             </a:fld>
@@ -2127,7 +2127,7 @@
     </p:spTree>
     <p:extLst>
       <p:ext uri="{BB962C8B-B14F-4D97-AF65-F5344CB8AC3E}">
-        <p14:creationId xmlns:p14="http://schemas.microsoft.com/office/powerpoint/2010/main" val="3035467197"/>
+        <p14:creationId xmlns:p14="http://schemas.microsoft.com/office/powerpoint/2010/main" val="604035963"/>
       </p:ext>
     </p:extLst>
   </p:cSld>
@@ -2159,7 +2159,7 @@
           <p:cNvPr id="2" name="标题 1">
             <a:extLst>
               <a:ext uri="{FF2B5EF4-FFF2-40B4-BE49-F238E27FC236}">
-                <a16:creationId xmlns:a16="http://schemas.microsoft.com/office/drawing/2014/main" id="{72047E49-3FF6-DFEB-D1E3-03CD753DC93D}"/>
+                <a16:creationId xmlns:a16="http://schemas.microsoft.com/office/drawing/2014/main" id="{252F0B3B-DC45-C6D2-F2CA-BE5B8C44CB8A}"/>
               </a:ext>
             </a:extLst>
           </p:cNvPr>
@@ -2196,7 +2196,7 @@
           <p:cNvPr id="3" name="内容占位符 2">
             <a:extLst>
               <a:ext uri="{FF2B5EF4-FFF2-40B4-BE49-F238E27FC236}">
-                <a16:creationId xmlns:a16="http://schemas.microsoft.com/office/drawing/2014/main" id="{74E325D8-F967-B771-2B52-17E13273187F}"/>
+                <a16:creationId xmlns:a16="http://schemas.microsoft.com/office/drawing/2014/main" id="{DF7BD183-C452-32C4-7011-BC7D0842E080}"/>
               </a:ext>
             </a:extLst>
           </p:cNvPr>
@@ -2286,7 +2286,7 @@
           <p:cNvPr id="4" name="文本占位符 3">
             <a:extLst>
               <a:ext uri="{FF2B5EF4-FFF2-40B4-BE49-F238E27FC236}">
-                <a16:creationId xmlns:a16="http://schemas.microsoft.com/office/drawing/2014/main" id="{65E466C7-26CC-6BB6-621A-41923B865AB4}"/>
+                <a16:creationId xmlns:a16="http://schemas.microsoft.com/office/drawing/2014/main" id="{7C993B94-3411-E78D-4CAE-27BB3E78C240}"/>
               </a:ext>
             </a:extLst>
           </p:cNvPr>
@@ -2357,7 +2357,7 @@
           <p:cNvPr id="5" name="日期占位符 4">
             <a:extLst>
               <a:ext uri="{FF2B5EF4-FFF2-40B4-BE49-F238E27FC236}">
-                <a16:creationId xmlns:a16="http://schemas.microsoft.com/office/drawing/2014/main" id="{754C744A-3036-7ECC-EDF7-402B1943915C}"/>
+                <a16:creationId xmlns:a16="http://schemas.microsoft.com/office/drawing/2014/main" id="{FB8F7B59-B305-3598-024C-D921BBA87C5E}"/>
               </a:ext>
             </a:extLst>
           </p:cNvPr>
@@ -2373,7 +2373,7 @@
           <a:bodyPr/>
           <a:lstStyle/>
           <a:p>
-            <a:fld id="{0DA22E42-7DB0-45D7-90F2-23DAD8E22502}" type="datetimeFigureOut">
+            <a:fld id="{3CA2FDC1-389E-4CC4-AF19-E23C9B130C82}" type="datetimeFigureOut">
               <a:rPr lang="zh-CN" altLang="en-US" smtClean="0"/>
               <a:t>2024/3/10</a:t>
             </a:fld>
@@ -2386,7 +2386,7 @@
           <p:cNvPr id="6" name="页脚占位符 5">
             <a:extLst>
               <a:ext uri="{FF2B5EF4-FFF2-40B4-BE49-F238E27FC236}">
-                <a16:creationId xmlns:a16="http://schemas.microsoft.com/office/drawing/2014/main" id="{8EC5428B-188A-9BED-D0DA-D55222986D7A}"/>
+                <a16:creationId xmlns:a16="http://schemas.microsoft.com/office/drawing/2014/main" id="{5471D939-6994-F7F4-92A8-BBDAA600905D}"/>
               </a:ext>
             </a:extLst>
           </p:cNvPr>
@@ -2411,7 +2411,7 @@
           <p:cNvPr id="7" name="灯片编号占位符 6">
             <a:extLst>
               <a:ext uri="{FF2B5EF4-FFF2-40B4-BE49-F238E27FC236}">
-                <a16:creationId xmlns:a16="http://schemas.microsoft.com/office/drawing/2014/main" id="{7D38A83B-3268-0681-E5BE-BDE5BBE981F0}"/>
+                <a16:creationId xmlns:a16="http://schemas.microsoft.com/office/drawing/2014/main" id="{0B80D114-4DC5-39BC-E87A-09911BFC81C5}"/>
               </a:ext>
             </a:extLst>
           </p:cNvPr>
@@ -2427,7 +2427,7 @@
           <a:bodyPr/>
           <a:lstStyle/>
           <a:p>
-            <a:fld id="{CFB08094-F7B4-4154-95BF-E52EF0015201}" type="slidenum">
+            <a:fld id="{A8C49D92-699E-47A2-999F-0003F314E4F7}" type="slidenum">
               <a:rPr lang="zh-CN" altLang="en-US" smtClean="0"/>
               <a:t>‹#›</a:t>
             </a:fld>
@@ -2438,7 +2438,7 @@
     </p:spTree>
     <p:extLst>
       <p:ext uri="{BB962C8B-B14F-4D97-AF65-F5344CB8AC3E}">
-        <p14:creationId xmlns:p14="http://schemas.microsoft.com/office/powerpoint/2010/main" val="1173099721"/>
+        <p14:creationId xmlns:p14="http://schemas.microsoft.com/office/powerpoint/2010/main" val="848921121"/>
       </p:ext>
     </p:extLst>
   </p:cSld>
@@ -2470,7 +2470,7 @@
           <p:cNvPr id="2" name="标题 1">
             <a:extLst>
               <a:ext uri="{FF2B5EF4-FFF2-40B4-BE49-F238E27FC236}">
-                <a16:creationId xmlns:a16="http://schemas.microsoft.com/office/drawing/2014/main" id="{CDD071BA-636D-52B7-2731-B69D040048AD}"/>
+                <a16:creationId xmlns:a16="http://schemas.microsoft.com/office/drawing/2014/main" id="{B89200F2-A986-2510-4403-F1782ECB6173}"/>
               </a:ext>
             </a:extLst>
           </p:cNvPr>
@@ -2507,7 +2507,7 @@
           <p:cNvPr id="3" name="图片占位符 2">
             <a:extLst>
               <a:ext uri="{FF2B5EF4-FFF2-40B4-BE49-F238E27FC236}">
-                <a16:creationId xmlns:a16="http://schemas.microsoft.com/office/drawing/2014/main" id="{CF51E0E9-C443-6314-A7B5-6D259B4A5EAD}"/>
+                <a16:creationId xmlns:a16="http://schemas.microsoft.com/office/drawing/2014/main" id="{1F375A38-E6D0-0801-7A38-0BE64FB6C4D5}"/>
               </a:ext>
             </a:extLst>
           </p:cNvPr>
@@ -2574,7 +2574,7 @@
           <p:cNvPr id="4" name="文本占位符 3">
             <a:extLst>
               <a:ext uri="{FF2B5EF4-FFF2-40B4-BE49-F238E27FC236}">
-                <a16:creationId xmlns:a16="http://schemas.microsoft.com/office/drawing/2014/main" id="{D635D55B-6C8D-8A6A-0F14-DF7902A84DF7}"/>
+                <a16:creationId xmlns:a16="http://schemas.microsoft.com/office/drawing/2014/main" id="{EBB9C03D-3ABE-AAF6-BE53-37282AD13AEE}"/>
               </a:ext>
             </a:extLst>
           </p:cNvPr>
@@ -2645,7 +2645,7 @@
           <p:cNvPr id="5" name="日期占位符 4">
             <a:extLst>
               <a:ext uri="{FF2B5EF4-FFF2-40B4-BE49-F238E27FC236}">
-                <a16:creationId xmlns:a16="http://schemas.microsoft.com/office/drawing/2014/main" id="{7FEF4809-44A6-CEE1-0E77-EF635D673A67}"/>
+                <a16:creationId xmlns:a16="http://schemas.microsoft.com/office/drawing/2014/main" id="{0873493C-CC31-6361-E55E-357AF985C62D}"/>
               </a:ext>
             </a:extLst>
           </p:cNvPr>
@@ -2661,7 +2661,7 @@
           <a:bodyPr/>
           <a:lstStyle/>
           <a:p>
-            <a:fld id="{0DA22E42-7DB0-45D7-90F2-23DAD8E22502}" type="datetimeFigureOut">
+            <a:fld id="{3CA2FDC1-389E-4CC4-AF19-E23C9B130C82}" type="datetimeFigureOut">
               <a:rPr lang="zh-CN" altLang="en-US" smtClean="0"/>
               <a:t>2024/3/10</a:t>
             </a:fld>
@@ -2674,7 +2674,7 @@
           <p:cNvPr id="6" name="页脚占位符 5">
             <a:extLst>
               <a:ext uri="{FF2B5EF4-FFF2-40B4-BE49-F238E27FC236}">
-                <a16:creationId xmlns:a16="http://schemas.microsoft.com/office/drawing/2014/main" id="{385EDA02-F5A7-F2C9-F12E-9B9A80D6E8E6}"/>
+                <a16:creationId xmlns:a16="http://schemas.microsoft.com/office/drawing/2014/main" id="{92C47C18-1D3B-2FCC-55E2-9153B64BC40C}"/>
               </a:ext>
             </a:extLst>
           </p:cNvPr>
@@ -2699,7 +2699,7 @@
           <p:cNvPr id="7" name="灯片编号占位符 6">
             <a:extLst>
               <a:ext uri="{FF2B5EF4-FFF2-40B4-BE49-F238E27FC236}">
-                <a16:creationId xmlns:a16="http://schemas.microsoft.com/office/drawing/2014/main" id="{5AEB579F-DDA9-ADAE-D2CF-6C0FE0EBA2FD}"/>
+                <a16:creationId xmlns:a16="http://schemas.microsoft.com/office/drawing/2014/main" id="{5EA42104-76FD-2486-70D0-6A33E4EB73EA}"/>
               </a:ext>
             </a:extLst>
           </p:cNvPr>
@@ -2715,7 +2715,7 @@
           <a:bodyPr/>
           <a:lstStyle/>
           <a:p>
-            <a:fld id="{CFB08094-F7B4-4154-95BF-E52EF0015201}" type="slidenum">
+            <a:fld id="{A8C49D92-699E-47A2-999F-0003F314E4F7}" type="slidenum">
               <a:rPr lang="zh-CN" altLang="en-US" smtClean="0"/>
               <a:t>‹#›</a:t>
             </a:fld>
@@ -2726,7 +2726,7 @@
     </p:spTree>
     <p:extLst>
       <p:ext uri="{BB962C8B-B14F-4D97-AF65-F5344CB8AC3E}">
-        <p14:creationId xmlns:p14="http://schemas.microsoft.com/office/powerpoint/2010/main" val="10520183"/>
+        <p14:creationId xmlns:p14="http://schemas.microsoft.com/office/powerpoint/2010/main" val="1920285295"/>
       </p:ext>
     </p:extLst>
   </p:cSld>
@@ -2763,7 +2763,7 @@
           <p:cNvPr id="2" name="标题占位符 1">
             <a:extLst>
               <a:ext uri="{FF2B5EF4-FFF2-40B4-BE49-F238E27FC236}">
-                <a16:creationId xmlns:a16="http://schemas.microsoft.com/office/drawing/2014/main" id="{EC494D72-7610-C06D-4024-204A148FC1C7}"/>
+                <a16:creationId xmlns:a16="http://schemas.microsoft.com/office/drawing/2014/main" id="{3A9EFFC4-EA38-9CEC-375D-C4B95ED5C318}"/>
               </a:ext>
             </a:extLst>
           </p:cNvPr>
@@ -2801,7 +2801,7 @@
           <p:cNvPr id="3" name="文本占位符 2">
             <a:extLst>
               <a:ext uri="{FF2B5EF4-FFF2-40B4-BE49-F238E27FC236}">
-                <a16:creationId xmlns:a16="http://schemas.microsoft.com/office/drawing/2014/main" id="{EF713D6D-FDEB-9F7B-D684-947F23FEB289}"/>
+                <a16:creationId xmlns:a16="http://schemas.microsoft.com/office/drawing/2014/main" id="{07DDDD32-AA9F-81D5-2B22-65C721AF983D}"/>
               </a:ext>
             </a:extLst>
           </p:cNvPr>
@@ -2868,7 +2868,7 @@
           <p:cNvPr id="4" name="日期占位符 3">
             <a:extLst>
               <a:ext uri="{FF2B5EF4-FFF2-40B4-BE49-F238E27FC236}">
-                <a16:creationId xmlns:a16="http://schemas.microsoft.com/office/drawing/2014/main" id="{8409D8A7-51E1-B2BA-D48A-1FFDA42FA4F7}"/>
+                <a16:creationId xmlns:a16="http://schemas.microsoft.com/office/drawing/2014/main" id="{DD7459CF-48B8-6F39-495C-8B32C75215AE}"/>
               </a:ext>
             </a:extLst>
           </p:cNvPr>
@@ -2902,7 +2902,7 @@
             </a:lvl1pPr>
           </a:lstStyle>
           <a:p>
-            <a:fld id="{0DA22E42-7DB0-45D7-90F2-23DAD8E22502}" type="datetimeFigureOut">
+            <a:fld id="{3CA2FDC1-389E-4CC4-AF19-E23C9B130C82}" type="datetimeFigureOut">
               <a:rPr lang="zh-CN" altLang="en-US" smtClean="0"/>
               <a:t>2024/3/10</a:t>
             </a:fld>
@@ -2915,7 +2915,7 @@
           <p:cNvPr id="5" name="页脚占位符 4">
             <a:extLst>
               <a:ext uri="{FF2B5EF4-FFF2-40B4-BE49-F238E27FC236}">
-                <a16:creationId xmlns:a16="http://schemas.microsoft.com/office/drawing/2014/main" id="{AF660FA6-6DBB-A3C0-AFAA-A3034D0EA240}"/>
+                <a16:creationId xmlns:a16="http://schemas.microsoft.com/office/drawing/2014/main" id="{B7A2370C-803B-CF59-A359-3007B2EAB9A9}"/>
               </a:ext>
             </a:extLst>
           </p:cNvPr>
@@ -2958,7 +2958,7 @@
           <p:cNvPr id="6" name="灯片编号占位符 5">
             <a:extLst>
               <a:ext uri="{FF2B5EF4-FFF2-40B4-BE49-F238E27FC236}">
-                <a16:creationId xmlns:a16="http://schemas.microsoft.com/office/drawing/2014/main" id="{036A2C29-9C11-2A4E-71E3-2E67DA451084}"/>
+                <a16:creationId xmlns:a16="http://schemas.microsoft.com/office/drawing/2014/main" id="{5E7A647C-1374-B72B-6E22-791E1B81E782}"/>
               </a:ext>
             </a:extLst>
           </p:cNvPr>
@@ -2992,7 +2992,7 @@
             </a:lvl1pPr>
           </a:lstStyle>
           <a:p>
-            <a:fld id="{CFB08094-F7B4-4154-95BF-E52EF0015201}" type="slidenum">
+            <a:fld id="{A8C49D92-699E-47A2-999F-0003F314E4F7}" type="slidenum">
               <a:rPr lang="zh-CN" altLang="en-US" smtClean="0"/>
               <a:t>‹#›</a:t>
             </a:fld>
@@ -3003,7 +3003,7 @@
     </p:spTree>
     <p:extLst>
       <p:ext uri="{BB962C8B-B14F-4D97-AF65-F5344CB8AC3E}">
-        <p14:creationId xmlns:p14="http://schemas.microsoft.com/office/powerpoint/2010/main" val="4038569630"/>
+        <p14:creationId xmlns:p14="http://schemas.microsoft.com/office/powerpoint/2010/main" val="2418569289"/>
       </p:ext>
     </p:extLst>
   </p:cSld>
@@ -3323,7 +3323,7 @@
       </p:grpSpPr>
       <p:pic>
         <p:nvPicPr>
-          <p:cNvPr id="941058" name="Picture 2" descr="918"/>
+          <p:cNvPr id="942082" name="Picture 2" descr="919"/>
           <p:cNvPicPr>
             <a:picLocks noChangeAspect="1" noChangeArrowheads="1"/>
           </p:cNvPicPr>
@@ -3344,8 +3344,8 @@
         </p:blipFill>
         <p:spPr bwMode="auto">
           <a:xfrm>
-            <a:off x="1524000" y="0"/>
-            <a:ext cx="9144000" cy="6858000"/>
+            <a:off x="1543050" y="1"/>
+            <a:ext cx="9124950" cy="6843713"/>
           </a:xfrm>
           <a:prstGeom prst="rect">
             <a:avLst/>
@@ -3375,158 +3375,11 @@
           </a:extLst>
         </p:spPr>
       </p:pic>
-      <p:pic>
-        <p:nvPicPr>
-          <p:cNvPr id="942083" name="Picture 3" descr="918-2"/>
-          <p:cNvPicPr>
-            <a:picLocks noChangeAspect="1" noChangeArrowheads="1"/>
-          </p:cNvPicPr>
-          <p:nvPr/>
-        </p:nvPicPr>
-        <p:blipFill>
-          <a:blip r:embed="rId3">
-            <a:extLst>
-              <a:ext uri="{28A0092B-C50C-407E-A947-70E740481C1C}">
-                <a14:useLocalDpi xmlns:a14="http://schemas.microsoft.com/office/drawing/2010/main" val="0"/>
-              </a:ext>
-            </a:extLst>
-          </a:blip>
-          <a:srcRect/>
-          <a:stretch>
-            <a:fillRect/>
-          </a:stretch>
-        </p:blipFill>
-        <p:spPr bwMode="auto">
-          <a:xfrm>
-            <a:off x="1524000" y="14288"/>
-            <a:ext cx="9124950" cy="6843712"/>
-          </a:xfrm>
-          <a:prstGeom prst="rect">
-            <a:avLst/>
-          </a:prstGeom>
-          <a:noFill/>
-          <a:ln>
-            <a:noFill/>
-          </a:ln>
-          <a:effectLst/>
-          <a:extLst>
-            <a:ext uri="{909E8E84-426E-40DD-AFC4-6F175D3DCCD1}">
-              <a14:hiddenFill xmlns:a14="http://schemas.microsoft.com/office/drawing/2010/main">
-                <a:solidFill>
-                  <a:srgbClr val="FFFFFF"/>
-                </a:solidFill>
-              </a14:hiddenFill>
-            </a:ext>
-            <a:ext uri="{91240B29-F687-4F45-9708-019B960494DF}">
-              <a14:hiddenLine xmlns:a14="http://schemas.microsoft.com/office/drawing/2010/main" w="9525">
-                <a:solidFill>
-                  <a:srgbClr val="000000"/>
-                </a:solidFill>
-                <a:miter lim="800000"/>
-                <a:headEnd/>
-                <a:tailEnd/>
-              </a14:hiddenLine>
-            </a:ext>
-            <a:ext uri="{AF507438-7753-43E0-B8FC-AC1667EBCBE1}">
-              <a14:hiddenEffects xmlns:a14="http://schemas.microsoft.com/office/drawing/2010/main">
-                <a:effectLst>
-                  <a:outerShdw dist="35921" dir="2700000" algn="ctr" rotWithShape="0">
-                    <a:srgbClr val="808080"/>
-                  </a:outerShdw>
-                </a:effectLst>
-              </a14:hiddenEffects>
-            </a:ext>
-          </a:extLst>
-        </p:spPr>
-      </p:pic>
     </p:spTree>
   </p:cSld>
   <p:clrMapOvr>
     <a:masterClrMapping/>
   </p:clrMapOvr>
-  <p:timing>
-    <p:tnLst>
-      <p:par>
-        <p:cTn id="1" dur="indefinite" restart="never" nodeType="tmRoot">
-          <p:childTnLst>
-            <p:seq concurrent="1" nextAc="seek">
-              <p:cTn id="2" dur="indefinite" nodeType="mainSeq">
-                <p:childTnLst>
-                  <p:par>
-                    <p:cTn id="3" fill="hold" nodeType="clickPar">
-                      <p:stCondLst>
-                        <p:cond delay="indefinite"/>
-                      </p:stCondLst>
-                      <p:childTnLst>
-                        <p:par>
-                          <p:cTn id="4" fill="hold" nodeType="withGroup">
-                            <p:stCondLst>
-                              <p:cond delay="0"/>
-                            </p:stCondLst>
-                            <p:childTnLst>
-                              <p:par>
-                                <p:cTn id="5" presetID="10" presetClass="entr" presetSubtype="0" fill="hold" nodeType="clickEffect">
-                                  <p:stCondLst>
-                                    <p:cond delay="0"/>
-                                  </p:stCondLst>
-                                  <p:childTnLst>
-                                    <p:set>
-                                      <p:cBhvr>
-                                        <p:cTn id="6" dur="1" fill="hold">
-                                          <p:stCondLst>
-                                            <p:cond delay="0"/>
-                                          </p:stCondLst>
-                                        </p:cTn>
-                                        <p:tgtEl>
-                                          <p:spTgt spid="942083"/>
-                                        </p:tgtEl>
-                                        <p:attrNameLst>
-                                          <p:attrName>style.visibility</p:attrName>
-                                        </p:attrNameLst>
-                                      </p:cBhvr>
-                                      <p:to>
-                                        <p:strVal val="visible"/>
-                                      </p:to>
-                                    </p:set>
-                                    <p:animEffect transition="in" filter="fade">
-                                      <p:cBhvr>
-                                        <p:cTn id="7" dur="500"/>
-                                        <p:tgtEl>
-                                          <p:spTgt spid="942083"/>
-                                        </p:tgtEl>
-                                      </p:cBhvr>
-                                    </p:animEffect>
-                                  </p:childTnLst>
-                                </p:cTn>
-                              </p:par>
-                            </p:childTnLst>
-                          </p:cTn>
-                        </p:par>
-                      </p:childTnLst>
-                    </p:cTn>
-                  </p:par>
-                </p:childTnLst>
-              </p:cTn>
-              <p:prevCondLst>
-                <p:cond evt="onPrev" delay="0">
-                  <p:tgtEl>
-                    <p:sldTgt/>
-                  </p:tgtEl>
-                </p:cond>
-              </p:prevCondLst>
-              <p:nextCondLst>
-                <p:cond evt="onNext" delay="0">
-                  <p:tgtEl>
-                    <p:sldTgt/>
-                  </p:tgtEl>
-                </p:cond>
-              </p:nextCondLst>
-            </p:seq>
-          </p:childTnLst>
-        </p:cTn>
-      </p:par>
-    </p:tnLst>
-  </p:timing>
 </p:sld>
 </file>
 
